--- a/s2/p3/paths.pptx
+++ b/s2/p3/paths.pptx
@@ -6,6 +6,7 @@
   </p:sldMasterIdLst>
   <p:sldIdLst>
     <p:sldId id="256" r:id="rId2"/>
+    <p:sldId id="257" r:id="rId3"/>
   </p:sldIdLst>
   <p:sldSz cx="12192000" cy="6858000"/>
   <p:notesSz cx="6858000" cy="9144000"/>
@@ -104,6 +105,11 @@
       </a:defRPr>
     </a:lvl9pPr>
   </p:defaultTextStyle>
+  <p:extLst>
+    <p:ext uri="{EFAFB233-063F-42B5-8137-9DF3F51BA10A}">
+      <p15:sldGuideLst xmlns:p15="http://schemas.microsoft.com/office/powerpoint/2012/main"/>
+    </p:ext>
+  </p:extLst>
 </p:presentation>
 </file>
 
@@ -254,7 +260,7 @@
           <a:p>
             <a:fld id="{B48FE5FD-85A5-A446-9C84-1E7724EC1B28}" type="datetimeFigureOut">
               <a:rPr lang="en-US" smtClean="0"/>
-              <a:t>8/18/23</a:t>
+              <a:t>9/7/23</a:t>
             </a:fld>
             <a:endParaRPr lang="en-US"/>
           </a:p>
@@ -452,7 +458,7 @@
           <a:p>
             <a:fld id="{B48FE5FD-85A5-A446-9C84-1E7724EC1B28}" type="datetimeFigureOut">
               <a:rPr lang="en-US" smtClean="0"/>
-              <a:t>8/18/23</a:t>
+              <a:t>9/7/23</a:t>
             </a:fld>
             <a:endParaRPr lang="en-US"/>
           </a:p>
@@ -660,7 +666,7 @@
           <a:p>
             <a:fld id="{B48FE5FD-85A5-A446-9C84-1E7724EC1B28}" type="datetimeFigureOut">
               <a:rPr lang="en-US" smtClean="0"/>
-              <a:t>8/18/23</a:t>
+              <a:t>9/7/23</a:t>
             </a:fld>
             <a:endParaRPr lang="en-US"/>
           </a:p>
@@ -858,7 +864,7 @@
           <a:p>
             <a:fld id="{B48FE5FD-85A5-A446-9C84-1E7724EC1B28}" type="datetimeFigureOut">
               <a:rPr lang="en-US" smtClean="0"/>
-              <a:t>8/18/23</a:t>
+              <a:t>9/7/23</a:t>
             </a:fld>
             <a:endParaRPr lang="en-US"/>
           </a:p>
@@ -1133,7 +1139,7 @@
           <a:p>
             <a:fld id="{B48FE5FD-85A5-A446-9C84-1E7724EC1B28}" type="datetimeFigureOut">
               <a:rPr lang="en-US" smtClean="0"/>
-              <a:t>8/18/23</a:t>
+              <a:t>9/7/23</a:t>
             </a:fld>
             <a:endParaRPr lang="en-US"/>
           </a:p>
@@ -1398,7 +1404,7 @@
           <a:p>
             <a:fld id="{B48FE5FD-85A5-A446-9C84-1E7724EC1B28}" type="datetimeFigureOut">
               <a:rPr lang="en-US" smtClean="0"/>
-              <a:t>8/18/23</a:t>
+              <a:t>9/7/23</a:t>
             </a:fld>
             <a:endParaRPr lang="en-US"/>
           </a:p>
@@ -1810,7 +1816,7 @@
           <a:p>
             <a:fld id="{B48FE5FD-85A5-A446-9C84-1E7724EC1B28}" type="datetimeFigureOut">
               <a:rPr lang="en-US" smtClean="0"/>
-              <a:t>8/18/23</a:t>
+              <a:t>9/7/23</a:t>
             </a:fld>
             <a:endParaRPr lang="en-US"/>
           </a:p>
@@ -1951,7 +1957,7 @@
           <a:p>
             <a:fld id="{B48FE5FD-85A5-A446-9C84-1E7724EC1B28}" type="datetimeFigureOut">
               <a:rPr lang="en-US" smtClean="0"/>
-              <a:t>8/18/23</a:t>
+              <a:t>9/7/23</a:t>
             </a:fld>
             <a:endParaRPr lang="en-US"/>
           </a:p>
@@ -2064,7 +2070,7 @@
           <a:p>
             <a:fld id="{B48FE5FD-85A5-A446-9C84-1E7724EC1B28}" type="datetimeFigureOut">
               <a:rPr lang="en-US" smtClean="0"/>
-              <a:t>8/18/23</a:t>
+              <a:t>9/7/23</a:t>
             </a:fld>
             <a:endParaRPr lang="en-US"/>
           </a:p>
@@ -2375,7 +2381,7 @@
           <a:p>
             <a:fld id="{B48FE5FD-85A5-A446-9C84-1E7724EC1B28}" type="datetimeFigureOut">
               <a:rPr lang="en-US" smtClean="0"/>
-              <a:t>8/18/23</a:t>
+              <a:t>9/7/23</a:t>
             </a:fld>
             <a:endParaRPr lang="en-US"/>
           </a:p>
@@ -2663,7 +2669,7 @@
           <a:p>
             <a:fld id="{B48FE5FD-85A5-A446-9C84-1E7724EC1B28}" type="datetimeFigureOut">
               <a:rPr lang="en-US" smtClean="0"/>
-              <a:t>8/18/23</a:t>
+              <a:t>9/7/23</a:t>
             </a:fld>
             <a:endParaRPr lang="en-US"/>
           </a:p>
@@ -2904,7 +2910,7 @@
           <a:p>
             <a:fld id="{B48FE5FD-85A5-A446-9C84-1E7724EC1B28}" type="datetimeFigureOut">
               <a:rPr lang="en-US" smtClean="0"/>
-              <a:t>8/18/23</a:t>
+              <a:t>9/7/23</a:t>
             </a:fld>
             <a:endParaRPr lang="en-US"/>
           </a:p>
@@ -4365,10 +4371,1195 @@
           </a:p>
         </p:txBody>
       </p:sp>
+      <p:sp>
+        <p:nvSpPr>
+          <p:cNvPr id="2" name="TextBox 1">
+            <a:extLst>
+              <a:ext uri="{FF2B5EF4-FFF2-40B4-BE49-F238E27FC236}">
+                <a16:creationId xmlns:a16="http://schemas.microsoft.com/office/drawing/2014/main" id="{7F502E73-BC17-A7B1-DD9F-07A8B6E35AE3}"/>
+              </a:ext>
+            </a:extLst>
+          </p:cNvPr>
+          <p:cNvSpPr txBox="1"/>
+          <p:nvPr/>
+        </p:nvSpPr>
+        <p:spPr>
+          <a:xfrm>
+            <a:off x="9233012" y="1294726"/>
+            <a:ext cx="1364476" cy="1200329"/>
+          </a:xfrm>
+          <a:prstGeom prst="rect">
+            <a:avLst/>
+          </a:prstGeom>
+          <a:noFill/>
+        </p:spPr>
+        <p:txBody>
+          <a:bodyPr wrap="none" rtlCol="0">
+            <a:spAutoFit/>
+          </a:bodyPr>
+          <a:lstStyle/>
+          <a:p>
+            <a:r>
+              <a:rPr lang="en-US" dirty="0"/>
+              <a:t>Exercise</a:t>
+            </a:r>
+          </a:p>
+          <a:p>
+            <a:r>
+              <a:rPr lang="en-US" dirty="0"/>
+              <a:t>Social media</a:t>
+            </a:r>
+          </a:p>
+          <a:p>
+            <a:r>
+              <a:rPr lang="en-US" dirty="0"/>
+              <a:t>Drinking</a:t>
+            </a:r>
+          </a:p>
+          <a:p>
+            <a:r>
+              <a:rPr lang="en-US" dirty="0" err="1"/>
+              <a:t>punct</a:t>
+            </a:r>
+            <a:endParaRPr lang="en-US" dirty="0"/>
+          </a:p>
+        </p:txBody>
+      </p:sp>
     </p:spTree>
     <p:extLst>
       <p:ext uri="{BB962C8B-B14F-4D97-AF65-F5344CB8AC3E}">
         <p14:creationId xmlns:p14="http://schemas.microsoft.com/office/powerpoint/2010/main" val="3161959494"/>
+      </p:ext>
+    </p:extLst>
+  </p:cSld>
+  <p:clrMapOvr>
+    <a:masterClrMapping/>
+  </p:clrMapOvr>
+</p:sld>
+</file>
+
+<file path=ppt/slides/slide2.xml><?xml version="1.0" encoding="utf-8"?>
+<p:sld xmlns:a="http://schemas.openxmlformats.org/drawingml/2006/main" xmlns:r="http://schemas.openxmlformats.org/officeDocument/2006/relationships" xmlns:p="http://schemas.openxmlformats.org/presentationml/2006/main">
+  <p:cSld>
+    <p:spTree>
+      <p:nvGrpSpPr>
+        <p:cNvPr id="1" name=""/>
+        <p:cNvGrpSpPr/>
+        <p:nvPr/>
+      </p:nvGrpSpPr>
+      <p:grpSpPr>
+        <a:xfrm>
+          <a:off x="0" y="0"/>
+          <a:ext cx="0" cy="0"/>
+          <a:chOff x="0" y="0"/>
+          <a:chExt cx="0" cy="0"/>
+        </a:xfrm>
+      </p:grpSpPr>
+      <p:sp>
+        <p:nvSpPr>
+          <p:cNvPr id="4" name="Rectangle 3">
+            <a:extLst>
+              <a:ext uri="{FF2B5EF4-FFF2-40B4-BE49-F238E27FC236}">
+                <a16:creationId xmlns:a16="http://schemas.microsoft.com/office/drawing/2014/main" id="{D8BB9C1A-26A1-5A87-764D-E7418A9A4BF0}"/>
+              </a:ext>
+            </a:extLst>
+          </p:cNvPr>
+          <p:cNvSpPr/>
+          <p:nvPr/>
+        </p:nvSpPr>
+        <p:spPr>
+          <a:xfrm>
+            <a:off x="2202355" y="1971018"/>
+            <a:ext cx="1376737" cy="626724"/>
+          </a:xfrm>
+          <a:prstGeom prst="rect">
+            <a:avLst/>
+          </a:prstGeom>
+          <a:solidFill>
+            <a:schemeClr val="bg1">
+              <a:lumMod val="85000"/>
+            </a:schemeClr>
+          </a:solidFill>
+          <a:ln>
+            <a:noFill/>
+          </a:ln>
+        </p:spPr>
+        <p:style>
+          <a:lnRef idx="2">
+            <a:schemeClr val="accent1">
+              <a:shade val="15000"/>
+            </a:schemeClr>
+          </a:lnRef>
+          <a:fillRef idx="1">
+            <a:schemeClr val="accent1"/>
+          </a:fillRef>
+          <a:effectRef idx="0">
+            <a:schemeClr val="accent1"/>
+          </a:effectRef>
+          <a:fontRef idx="minor">
+            <a:schemeClr val="lt1"/>
+          </a:fontRef>
+        </p:style>
+        <p:txBody>
+          <a:bodyPr rtlCol="0" anchor="ctr"/>
+          <a:lstStyle/>
+          <a:p>
+            <a:pPr algn="ctr"/>
+            <a:r>
+              <a:rPr lang="en-US" sz="1400" dirty="0">
+                <a:solidFill>
+                  <a:schemeClr val="tx1"/>
+                </a:solidFill>
+                <a:latin typeface="Myriad Pro" panose="020B0503030403020204" pitchFamily="34" charset="0"/>
+              </a:rPr>
+              <a:t>Friend Behavior</a:t>
+            </a:r>
+          </a:p>
+        </p:txBody>
+      </p:sp>
+      <p:sp>
+        <p:nvSpPr>
+          <p:cNvPr id="5" name="Rectangle 4">
+            <a:extLst>
+              <a:ext uri="{FF2B5EF4-FFF2-40B4-BE49-F238E27FC236}">
+                <a16:creationId xmlns:a16="http://schemas.microsoft.com/office/drawing/2014/main" id="{C1F162B0-A57C-5118-1975-1118A13F53E7}"/>
+              </a:ext>
+            </a:extLst>
+          </p:cNvPr>
+          <p:cNvSpPr/>
+          <p:nvPr/>
+        </p:nvSpPr>
+        <p:spPr>
+          <a:xfrm>
+            <a:off x="2202355" y="3323262"/>
+            <a:ext cx="1376737" cy="626724"/>
+          </a:xfrm>
+          <a:prstGeom prst="rect">
+            <a:avLst/>
+          </a:prstGeom>
+          <a:solidFill>
+            <a:schemeClr val="bg1">
+              <a:lumMod val="85000"/>
+            </a:schemeClr>
+          </a:solidFill>
+          <a:ln>
+            <a:noFill/>
+          </a:ln>
+        </p:spPr>
+        <p:style>
+          <a:lnRef idx="2">
+            <a:schemeClr val="accent1">
+              <a:shade val="15000"/>
+            </a:schemeClr>
+          </a:lnRef>
+          <a:fillRef idx="1">
+            <a:schemeClr val="accent1"/>
+          </a:fillRef>
+          <a:effectRef idx="0">
+            <a:schemeClr val="accent1"/>
+          </a:effectRef>
+          <a:fontRef idx="minor">
+            <a:schemeClr val="lt1"/>
+          </a:fontRef>
+        </p:style>
+        <p:txBody>
+          <a:bodyPr rtlCol="0" anchor="ctr"/>
+          <a:lstStyle/>
+          <a:p>
+            <a:pPr algn="ctr"/>
+            <a:r>
+              <a:rPr lang="en-US" sz="1400" dirty="0">
+                <a:solidFill>
+                  <a:schemeClr val="tx1"/>
+                </a:solidFill>
+                <a:latin typeface="Myriad Pro" panose="020B0503030403020204" pitchFamily="34" charset="0"/>
+              </a:rPr>
+              <a:t>Role Model Behavior</a:t>
+            </a:r>
+          </a:p>
+        </p:txBody>
+      </p:sp>
+      <p:sp>
+        <p:nvSpPr>
+          <p:cNvPr id="6" name="Rectangle 5">
+            <a:extLst>
+              <a:ext uri="{FF2B5EF4-FFF2-40B4-BE49-F238E27FC236}">
+                <a16:creationId xmlns:a16="http://schemas.microsoft.com/office/drawing/2014/main" id="{55EBB358-79E2-F54E-60F2-59CC0C300C8A}"/>
+              </a:ext>
+            </a:extLst>
+          </p:cNvPr>
+          <p:cNvSpPr/>
+          <p:nvPr/>
+        </p:nvSpPr>
+        <p:spPr>
+          <a:xfrm>
+            <a:off x="4573774" y="1971018"/>
+            <a:ext cx="1376737" cy="626724"/>
+          </a:xfrm>
+          <a:prstGeom prst="rect">
+            <a:avLst/>
+          </a:prstGeom>
+          <a:solidFill>
+            <a:schemeClr val="bg1">
+              <a:lumMod val="85000"/>
+            </a:schemeClr>
+          </a:solidFill>
+          <a:ln>
+            <a:noFill/>
+          </a:ln>
+        </p:spPr>
+        <p:style>
+          <a:lnRef idx="2">
+            <a:schemeClr val="accent1">
+              <a:shade val="15000"/>
+            </a:schemeClr>
+          </a:lnRef>
+          <a:fillRef idx="1">
+            <a:schemeClr val="accent1"/>
+          </a:fillRef>
+          <a:effectRef idx="0">
+            <a:schemeClr val="accent1"/>
+          </a:effectRef>
+          <a:fontRef idx="minor">
+            <a:schemeClr val="lt1"/>
+          </a:fontRef>
+        </p:style>
+        <p:txBody>
+          <a:bodyPr rtlCol="0" anchor="ctr"/>
+          <a:lstStyle/>
+          <a:p>
+            <a:pPr algn="ctr"/>
+            <a:r>
+              <a:rPr lang="en-US" sz="1400" dirty="0">
+                <a:solidFill>
+                  <a:schemeClr val="tx1"/>
+                </a:solidFill>
+                <a:latin typeface="Myriad Pro" panose="020B0503030403020204" pitchFamily="34" charset="0"/>
+              </a:rPr>
+              <a:t>Standards</a:t>
+            </a:r>
+          </a:p>
+        </p:txBody>
+      </p:sp>
+      <p:sp>
+        <p:nvSpPr>
+          <p:cNvPr id="7" name="Rectangle 6">
+            <a:extLst>
+              <a:ext uri="{FF2B5EF4-FFF2-40B4-BE49-F238E27FC236}">
+                <a16:creationId xmlns:a16="http://schemas.microsoft.com/office/drawing/2014/main" id="{6AB5B05C-A2C0-957A-ED79-A5EE89379CF4}"/>
+              </a:ext>
+            </a:extLst>
+          </p:cNvPr>
+          <p:cNvSpPr/>
+          <p:nvPr/>
+        </p:nvSpPr>
+        <p:spPr>
+          <a:xfrm>
+            <a:off x="4573774" y="3323262"/>
+            <a:ext cx="1376737" cy="626724"/>
+          </a:xfrm>
+          <a:prstGeom prst="rect">
+            <a:avLst/>
+          </a:prstGeom>
+          <a:solidFill>
+            <a:schemeClr val="bg1">
+              <a:lumMod val="85000"/>
+            </a:schemeClr>
+          </a:solidFill>
+          <a:ln>
+            <a:noFill/>
+          </a:ln>
+        </p:spPr>
+        <p:style>
+          <a:lnRef idx="2">
+            <a:schemeClr val="accent1">
+              <a:shade val="15000"/>
+            </a:schemeClr>
+          </a:lnRef>
+          <a:fillRef idx="1">
+            <a:schemeClr val="accent1"/>
+          </a:fillRef>
+          <a:effectRef idx="0">
+            <a:schemeClr val="accent1"/>
+          </a:effectRef>
+          <a:fontRef idx="minor">
+            <a:schemeClr val="lt1"/>
+          </a:fontRef>
+        </p:style>
+        <p:txBody>
+          <a:bodyPr rtlCol="0" anchor="ctr"/>
+          <a:lstStyle/>
+          <a:p>
+            <a:pPr algn="ctr"/>
+            <a:r>
+              <a:rPr lang="en-US" sz="1400" dirty="0">
+                <a:solidFill>
+                  <a:schemeClr val="tx1"/>
+                </a:solidFill>
+                <a:latin typeface="Myriad Pro" panose="020B0503030403020204" pitchFamily="34" charset="0"/>
+              </a:rPr>
+              <a:t>Own Behavior</a:t>
+            </a:r>
+          </a:p>
+        </p:txBody>
+      </p:sp>
+      <p:sp>
+        <p:nvSpPr>
+          <p:cNvPr id="8" name="Rectangle 7">
+            <a:extLst>
+              <a:ext uri="{FF2B5EF4-FFF2-40B4-BE49-F238E27FC236}">
+                <a16:creationId xmlns:a16="http://schemas.microsoft.com/office/drawing/2014/main" id="{FB6E62F6-1D24-1ED1-2A3C-C7411B9C63E4}"/>
+              </a:ext>
+            </a:extLst>
+          </p:cNvPr>
+          <p:cNvSpPr/>
+          <p:nvPr/>
+        </p:nvSpPr>
+        <p:spPr>
+          <a:xfrm>
+            <a:off x="6563139" y="2696538"/>
+            <a:ext cx="1376737" cy="626724"/>
+          </a:xfrm>
+          <a:prstGeom prst="rect">
+            <a:avLst/>
+          </a:prstGeom>
+          <a:solidFill>
+            <a:schemeClr val="bg1">
+              <a:lumMod val="85000"/>
+            </a:schemeClr>
+          </a:solidFill>
+          <a:ln>
+            <a:noFill/>
+          </a:ln>
+        </p:spPr>
+        <p:style>
+          <a:lnRef idx="2">
+            <a:schemeClr val="accent1">
+              <a:shade val="15000"/>
+            </a:schemeClr>
+          </a:lnRef>
+          <a:fillRef idx="1">
+            <a:schemeClr val="accent1"/>
+          </a:fillRef>
+          <a:effectRef idx="0">
+            <a:schemeClr val="accent1"/>
+          </a:effectRef>
+          <a:fontRef idx="minor">
+            <a:schemeClr val="lt1"/>
+          </a:fontRef>
+        </p:style>
+        <p:txBody>
+          <a:bodyPr rtlCol="0" anchor="ctr"/>
+          <a:lstStyle/>
+          <a:p>
+            <a:pPr algn="ctr"/>
+            <a:r>
+              <a:rPr lang="en-US" sz="1400" dirty="0">
+                <a:solidFill>
+                  <a:schemeClr val="tx1"/>
+                </a:solidFill>
+                <a:latin typeface="Myriad Pro" panose="020B0503030403020204" pitchFamily="34" charset="0"/>
+              </a:rPr>
+              <a:t>Self Rating</a:t>
+            </a:r>
+          </a:p>
+          <a:p>
+            <a:pPr algn="ctr"/>
+            <a:r>
+              <a:rPr lang="en-US" sz="1400" dirty="0">
+                <a:solidFill>
+                  <a:schemeClr val="tx1"/>
+                </a:solidFill>
+                <a:latin typeface="Myriad Pro" panose="020B0503030403020204" pitchFamily="34" charset="0"/>
+              </a:rPr>
+              <a:t>Self Control</a:t>
+            </a:r>
+          </a:p>
+        </p:txBody>
+      </p:sp>
+      <p:cxnSp>
+        <p:nvCxnSpPr>
+          <p:cNvPr id="10" name="Straight Arrow Connector 9">
+            <a:extLst>
+              <a:ext uri="{FF2B5EF4-FFF2-40B4-BE49-F238E27FC236}">
+                <a16:creationId xmlns:a16="http://schemas.microsoft.com/office/drawing/2014/main" id="{7061FC2B-DE33-D7DC-74EA-46509FE48D41}"/>
+              </a:ext>
+            </a:extLst>
+          </p:cNvPr>
+          <p:cNvCxnSpPr>
+            <a:stCxn id="4" idx="3"/>
+            <a:endCxn id="6" idx="1"/>
+          </p:cNvCxnSpPr>
+          <p:nvPr/>
+        </p:nvCxnSpPr>
+        <p:spPr>
+          <a:xfrm>
+            <a:off x="3579092" y="2284380"/>
+            <a:ext cx="994682" cy="0"/>
+          </a:xfrm>
+          <a:prstGeom prst="straightConnector1">
+            <a:avLst/>
+          </a:prstGeom>
+          <a:ln>
+            <a:tailEnd type="triangle"/>
+          </a:ln>
+        </p:spPr>
+        <p:style>
+          <a:lnRef idx="1">
+            <a:schemeClr val="dk1"/>
+          </a:lnRef>
+          <a:fillRef idx="0">
+            <a:schemeClr val="dk1"/>
+          </a:fillRef>
+          <a:effectRef idx="0">
+            <a:schemeClr val="dk1"/>
+          </a:effectRef>
+          <a:fontRef idx="minor">
+            <a:schemeClr val="tx1"/>
+          </a:fontRef>
+        </p:style>
+      </p:cxnSp>
+      <p:cxnSp>
+        <p:nvCxnSpPr>
+          <p:cNvPr id="11" name="Straight Arrow Connector 10">
+            <a:extLst>
+              <a:ext uri="{FF2B5EF4-FFF2-40B4-BE49-F238E27FC236}">
+                <a16:creationId xmlns:a16="http://schemas.microsoft.com/office/drawing/2014/main" id="{5514D816-1F54-6539-45B9-30CF178A8334}"/>
+              </a:ext>
+            </a:extLst>
+          </p:cNvPr>
+          <p:cNvCxnSpPr>
+            <a:cxnSpLocks/>
+            <a:stCxn id="4" idx="3"/>
+            <a:endCxn id="7" idx="1"/>
+          </p:cNvCxnSpPr>
+          <p:nvPr/>
+        </p:nvCxnSpPr>
+        <p:spPr>
+          <a:xfrm>
+            <a:off x="3579092" y="2284380"/>
+            <a:ext cx="994682" cy="1352244"/>
+          </a:xfrm>
+          <a:prstGeom prst="straightConnector1">
+            <a:avLst/>
+          </a:prstGeom>
+          <a:ln>
+            <a:tailEnd type="triangle"/>
+          </a:ln>
+        </p:spPr>
+        <p:style>
+          <a:lnRef idx="1">
+            <a:schemeClr val="dk1"/>
+          </a:lnRef>
+          <a:fillRef idx="0">
+            <a:schemeClr val="dk1"/>
+          </a:fillRef>
+          <a:effectRef idx="0">
+            <a:schemeClr val="dk1"/>
+          </a:effectRef>
+          <a:fontRef idx="minor">
+            <a:schemeClr val="tx1"/>
+          </a:fontRef>
+        </p:style>
+      </p:cxnSp>
+      <p:cxnSp>
+        <p:nvCxnSpPr>
+          <p:cNvPr id="14" name="Straight Arrow Connector 13">
+            <a:extLst>
+              <a:ext uri="{FF2B5EF4-FFF2-40B4-BE49-F238E27FC236}">
+                <a16:creationId xmlns:a16="http://schemas.microsoft.com/office/drawing/2014/main" id="{A871673D-ED84-308F-DE71-B2330D521B36}"/>
+              </a:ext>
+            </a:extLst>
+          </p:cNvPr>
+          <p:cNvCxnSpPr>
+            <a:cxnSpLocks/>
+            <a:stCxn id="5" idx="3"/>
+            <a:endCxn id="7" idx="1"/>
+          </p:cNvCxnSpPr>
+          <p:nvPr/>
+        </p:nvCxnSpPr>
+        <p:spPr>
+          <a:xfrm>
+            <a:off x="3579092" y="3636624"/>
+            <a:ext cx="994682" cy="0"/>
+          </a:xfrm>
+          <a:prstGeom prst="straightConnector1">
+            <a:avLst/>
+          </a:prstGeom>
+          <a:ln>
+            <a:prstDash val="solid"/>
+            <a:tailEnd type="triangle"/>
+          </a:ln>
+        </p:spPr>
+        <p:style>
+          <a:lnRef idx="1">
+            <a:schemeClr val="dk1"/>
+          </a:lnRef>
+          <a:fillRef idx="0">
+            <a:schemeClr val="dk1"/>
+          </a:fillRef>
+          <a:effectRef idx="0">
+            <a:schemeClr val="dk1"/>
+          </a:effectRef>
+          <a:fontRef idx="minor">
+            <a:schemeClr val="tx1"/>
+          </a:fontRef>
+        </p:style>
+      </p:cxnSp>
+      <p:cxnSp>
+        <p:nvCxnSpPr>
+          <p:cNvPr id="17" name="Straight Arrow Connector 16">
+            <a:extLst>
+              <a:ext uri="{FF2B5EF4-FFF2-40B4-BE49-F238E27FC236}">
+                <a16:creationId xmlns:a16="http://schemas.microsoft.com/office/drawing/2014/main" id="{EADE0B43-AAE6-408D-86BA-8F71DB2AEEBA}"/>
+              </a:ext>
+            </a:extLst>
+          </p:cNvPr>
+          <p:cNvCxnSpPr>
+            <a:cxnSpLocks/>
+            <a:stCxn id="5" idx="3"/>
+            <a:endCxn id="6" idx="1"/>
+          </p:cNvCxnSpPr>
+          <p:nvPr/>
+        </p:nvCxnSpPr>
+        <p:spPr>
+          <a:xfrm flipV="1">
+            <a:off x="3579092" y="2284380"/>
+            <a:ext cx="994682" cy="1352244"/>
+          </a:xfrm>
+          <a:prstGeom prst="straightConnector1">
+            <a:avLst/>
+          </a:prstGeom>
+          <a:ln>
+            <a:tailEnd type="triangle"/>
+          </a:ln>
+        </p:spPr>
+        <p:style>
+          <a:lnRef idx="1">
+            <a:schemeClr val="dk1"/>
+          </a:lnRef>
+          <a:fillRef idx="0">
+            <a:schemeClr val="dk1"/>
+          </a:fillRef>
+          <a:effectRef idx="0">
+            <a:schemeClr val="dk1"/>
+          </a:effectRef>
+          <a:fontRef idx="minor">
+            <a:schemeClr val="tx1"/>
+          </a:fontRef>
+        </p:style>
+      </p:cxnSp>
+      <p:cxnSp>
+        <p:nvCxnSpPr>
+          <p:cNvPr id="20" name="Straight Arrow Connector 19">
+            <a:extLst>
+              <a:ext uri="{FF2B5EF4-FFF2-40B4-BE49-F238E27FC236}">
+                <a16:creationId xmlns:a16="http://schemas.microsoft.com/office/drawing/2014/main" id="{05D5F28F-5816-A325-A4F0-DC30476DFB27}"/>
+              </a:ext>
+            </a:extLst>
+          </p:cNvPr>
+          <p:cNvCxnSpPr>
+            <a:cxnSpLocks/>
+            <a:stCxn id="6" idx="2"/>
+            <a:endCxn id="7" idx="0"/>
+          </p:cNvCxnSpPr>
+          <p:nvPr/>
+        </p:nvCxnSpPr>
+        <p:spPr>
+          <a:xfrm>
+            <a:off x="5262143" y="2597742"/>
+            <a:ext cx="0" cy="725520"/>
+          </a:xfrm>
+          <a:prstGeom prst="straightConnector1">
+            <a:avLst/>
+          </a:prstGeom>
+          <a:ln>
+            <a:tailEnd type="triangle"/>
+          </a:ln>
+        </p:spPr>
+        <p:style>
+          <a:lnRef idx="1">
+            <a:schemeClr val="dk1"/>
+          </a:lnRef>
+          <a:fillRef idx="0">
+            <a:schemeClr val="dk1"/>
+          </a:fillRef>
+          <a:effectRef idx="0">
+            <a:schemeClr val="dk1"/>
+          </a:effectRef>
+          <a:fontRef idx="minor">
+            <a:schemeClr val="tx1"/>
+          </a:fontRef>
+        </p:style>
+      </p:cxnSp>
+      <p:cxnSp>
+        <p:nvCxnSpPr>
+          <p:cNvPr id="23" name="Straight Arrow Connector 22">
+            <a:extLst>
+              <a:ext uri="{FF2B5EF4-FFF2-40B4-BE49-F238E27FC236}">
+                <a16:creationId xmlns:a16="http://schemas.microsoft.com/office/drawing/2014/main" id="{2B203B54-5264-B464-8CF1-0C000DD6D54C}"/>
+              </a:ext>
+            </a:extLst>
+          </p:cNvPr>
+          <p:cNvCxnSpPr>
+            <a:cxnSpLocks/>
+            <a:stCxn id="6" idx="3"/>
+            <a:endCxn id="8" idx="0"/>
+          </p:cNvCxnSpPr>
+          <p:nvPr/>
+        </p:nvCxnSpPr>
+        <p:spPr>
+          <a:xfrm>
+            <a:off x="5950511" y="2284380"/>
+            <a:ext cx="1300997" cy="412158"/>
+          </a:xfrm>
+          <a:prstGeom prst="straightConnector1">
+            <a:avLst/>
+          </a:prstGeom>
+          <a:ln>
+            <a:tailEnd type="triangle"/>
+          </a:ln>
+        </p:spPr>
+        <p:style>
+          <a:lnRef idx="1">
+            <a:schemeClr val="dk1"/>
+          </a:lnRef>
+          <a:fillRef idx="0">
+            <a:schemeClr val="dk1"/>
+          </a:fillRef>
+          <a:effectRef idx="0">
+            <a:schemeClr val="dk1"/>
+          </a:effectRef>
+          <a:fontRef idx="minor">
+            <a:schemeClr val="tx1"/>
+          </a:fontRef>
+        </p:style>
+      </p:cxnSp>
+      <p:cxnSp>
+        <p:nvCxnSpPr>
+          <p:cNvPr id="26" name="Straight Arrow Connector 25">
+            <a:extLst>
+              <a:ext uri="{FF2B5EF4-FFF2-40B4-BE49-F238E27FC236}">
+                <a16:creationId xmlns:a16="http://schemas.microsoft.com/office/drawing/2014/main" id="{658E82DE-A0F9-14AD-35D7-FB078236218A}"/>
+              </a:ext>
+            </a:extLst>
+          </p:cNvPr>
+          <p:cNvCxnSpPr>
+            <a:cxnSpLocks/>
+            <a:stCxn id="7" idx="3"/>
+            <a:endCxn id="8" idx="2"/>
+          </p:cNvCxnSpPr>
+          <p:nvPr/>
+        </p:nvCxnSpPr>
+        <p:spPr>
+          <a:xfrm flipV="1">
+            <a:off x="5950511" y="3323262"/>
+            <a:ext cx="1300997" cy="313362"/>
+          </a:xfrm>
+          <a:prstGeom prst="straightConnector1">
+            <a:avLst/>
+          </a:prstGeom>
+          <a:ln>
+            <a:tailEnd type="triangle"/>
+          </a:ln>
+        </p:spPr>
+        <p:style>
+          <a:lnRef idx="1">
+            <a:schemeClr val="dk1"/>
+          </a:lnRef>
+          <a:fillRef idx="0">
+            <a:schemeClr val="dk1"/>
+          </a:fillRef>
+          <a:effectRef idx="0">
+            <a:schemeClr val="dk1"/>
+          </a:effectRef>
+          <a:fontRef idx="minor">
+            <a:schemeClr val="tx1"/>
+          </a:fontRef>
+        </p:style>
+      </p:cxnSp>
+      <p:sp>
+        <p:nvSpPr>
+          <p:cNvPr id="34" name="TextBox 33">
+            <a:extLst>
+              <a:ext uri="{FF2B5EF4-FFF2-40B4-BE49-F238E27FC236}">
+                <a16:creationId xmlns:a16="http://schemas.microsoft.com/office/drawing/2014/main" id="{CCDBD7D2-0141-23A7-D817-D9673685CBE7}"/>
+              </a:ext>
+            </a:extLst>
+          </p:cNvPr>
+          <p:cNvSpPr txBox="1"/>
+          <p:nvPr/>
+        </p:nvSpPr>
+        <p:spPr>
+          <a:xfrm>
+            <a:off x="6273201" y="2153575"/>
+            <a:ext cx="401072" cy="261610"/>
+          </a:xfrm>
+          <a:prstGeom prst="rect">
+            <a:avLst/>
+          </a:prstGeom>
+          <a:noFill/>
+        </p:spPr>
+        <p:txBody>
+          <a:bodyPr wrap="none" rtlCol="0">
+            <a:spAutoFit/>
+          </a:bodyPr>
+          <a:lstStyle/>
+          <a:p>
+            <a:r>
+              <a:rPr lang="en-US" sz="1100" dirty="0">
+                <a:latin typeface="Myriad Pro" panose="020B0503030403020204" pitchFamily="34" charset="0"/>
+              </a:rPr>
+              <a:t>-.32</a:t>
+            </a:r>
+          </a:p>
+        </p:txBody>
+      </p:sp>
+      <p:sp>
+        <p:nvSpPr>
+          <p:cNvPr id="35" name="TextBox 34">
+            <a:extLst>
+              <a:ext uri="{FF2B5EF4-FFF2-40B4-BE49-F238E27FC236}">
+                <a16:creationId xmlns:a16="http://schemas.microsoft.com/office/drawing/2014/main" id="{8D2CCE00-9DCE-D6C5-CD3F-93A96A337A50}"/>
+              </a:ext>
+            </a:extLst>
+          </p:cNvPr>
+          <p:cNvSpPr txBox="1"/>
+          <p:nvPr/>
+        </p:nvSpPr>
+        <p:spPr>
+          <a:xfrm>
+            <a:off x="6128868" y="3300829"/>
+            <a:ext cx="357790" cy="261610"/>
+          </a:xfrm>
+          <a:prstGeom prst="rect">
+            <a:avLst/>
+          </a:prstGeom>
+          <a:noFill/>
+        </p:spPr>
+        <p:txBody>
+          <a:bodyPr wrap="none" rtlCol="0">
+            <a:spAutoFit/>
+          </a:bodyPr>
+          <a:lstStyle/>
+          <a:p>
+            <a:r>
+              <a:rPr lang="en-US" sz="1100" dirty="0">
+                <a:latin typeface="Myriad Pro" panose="020B0503030403020204" pitchFamily="34" charset="0"/>
+              </a:rPr>
+              <a:t>.67</a:t>
+            </a:r>
+          </a:p>
+        </p:txBody>
+      </p:sp>
+      <p:sp>
+        <p:nvSpPr>
+          <p:cNvPr id="36" name="TextBox 35">
+            <a:extLst>
+              <a:ext uri="{FF2B5EF4-FFF2-40B4-BE49-F238E27FC236}">
+                <a16:creationId xmlns:a16="http://schemas.microsoft.com/office/drawing/2014/main" id="{03B98424-D056-5D3F-0C89-4B6ED2673138}"/>
+              </a:ext>
+            </a:extLst>
+          </p:cNvPr>
+          <p:cNvSpPr txBox="1"/>
+          <p:nvPr/>
+        </p:nvSpPr>
+        <p:spPr>
+          <a:xfrm>
+            <a:off x="5262142" y="2829697"/>
+            <a:ext cx="357790" cy="261610"/>
+          </a:xfrm>
+          <a:prstGeom prst="rect">
+            <a:avLst/>
+          </a:prstGeom>
+          <a:noFill/>
+        </p:spPr>
+        <p:txBody>
+          <a:bodyPr wrap="none" rtlCol="0">
+            <a:spAutoFit/>
+          </a:bodyPr>
+          <a:lstStyle/>
+          <a:p>
+            <a:r>
+              <a:rPr lang="en-US" sz="1100" dirty="0">
+                <a:latin typeface="Myriad Pro" panose="020B0503030403020204" pitchFamily="34" charset="0"/>
+              </a:rPr>
+              <a:t>.19</a:t>
+            </a:r>
+          </a:p>
+        </p:txBody>
+      </p:sp>
+      <p:sp>
+        <p:nvSpPr>
+          <p:cNvPr id="37" name="TextBox 36">
+            <a:extLst>
+              <a:ext uri="{FF2B5EF4-FFF2-40B4-BE49-F238E27FC236}">
+                <a16:creationId xmlns:a16="http://schemas.microsoft.com/office/drawing/2014/main" id="{FE7FEA2C-9F8C-AD4F-28C7-2E959833F3C6}"/>
+              </a:ext>
+            </a:extLst>
+          </p:cNvPr>
+          <p:cNvSpPr txBox="1"/>
+          <p:nvPr/>
+        </p:nvSpPr>
+        <p:spPr>
+          <a:xfrm>
+            <a:off x="3873002" y="2022770"/>
+            <a:ext cx="357790" cy="261610"/>
+          </a:xfrm>
+          <a:prstGeom prst="rect">
+            <a:avLst/>
+          </a:prstGeom>
+          <a:noFill/>
+        </p:spPr>
+        <p:txBody>
+          <a:bodyPr wrap="none" rtlCol="0">
+            <a:spAutoFit/>
+          </a:bodyPr>
+          <a:lstStyle/>
+          <a:p>
+            <a:r>
+              <a:rPr lang="en-US" sz="1100" dirty="0">
+                <a:latin typeface="Myriad Pro" panose="020B0503030403020204" pitchFamily="34" charset="0"/>
+              </a:rPr>
+              <a:t>.22</a:t>
+            </a:r>
+          </a:p>
+        </p:txBody>
+      </p:sp>
+      <p:sp>
+        <p:nvSpPr>
+          <p:cNvPr id="38" name="TextBox 37">
+            <a:extLst>
+              <a:ext uri="{FF2B5EF4-FFF2-40B4-BE49-F238E27FC236}">
+                <a16:creationId xmlns:a16="http://schemas.microsoft.com/office/drawing/2014/main" id="{DD2EB63A-153D-291A-5EBD-2FAAE1054B79}"/>
+              </a:ext>
+            </a:extLst>
+          </p:cNvPr>
+          <p:cNvSpPr txBox="1"/>
+          <p:nvPr/>
+        </p:nvSpPr>
+        <p:spPr>
+          <a:xfrm>
+            <a:off x="3873229" y="3636623"/>
+            <a:ext cx="357790" cy="261610"/>
+          </a:xfrm>
+          <a:prstGeom prst="rect">
+            <a:avLst/>
+          </a:prstGeom>
+          <a:noFill/>
+        </p:spPr>
+        <p:txBody>
+          <a:bodyPr wrap="none" rtlCol="0">
+            <a:spAutoFit/>
+          </a:bodyPr>
+          <a:lstStyle/>
+          <a:p>
+            <a:r>
+              <a:rPr lang="en-US" sz="1100" dirty="0">
+                <a:latin typeface="Myriad Pro" panose="020B0503030403020204" pitchFamily="34" charset="0"/>
+              </a:rPr>
+              <a:t>.17</a:t>
+            </a:r>
+            <a:endParaRPr lang="en-US" sz="1100" baseline="30000" dirty="0">
+              <a:latin typeface="Myriad Pro" panose="020B0503030403020204" pitchFamily="34" charset="0"/>
+            </a:endParaRPr>
+          </a:p>
+        </p:txBody>
+      </p:sp>
+      <p:sp>
+        <p:nvSpPr>
+          <p:cNvPr id="39" name="TextBox 38">
+            <a:extLst>
+              <a:ext uri="{FF2B5EF4-FFF2-40B4-BE49-F238E27FC236}">
+                <a16:creationId xmlns:a16="http://schemas.microsoft.com/office/drawing/2014/main" id="{EC7E2269-5D45-DAD1-E503-7EA00311E781}"/>
+              </a:ext>
+            </a:extLst>
+          </p:cNvPr>
+          <p:cNvSpPr txBox="1"/>
+          <p:nvPr/>
+        </p:nvSpPr>
+        <p:spPr>
+          <a:xfrm>
+            <a:off x="4172701" y="2649494"/>
+            <a:ext cx="357790" cy="261610"/>
+          </a:xfrm>
+          <a:prstGeom prst="rect">
+            <a:avLst/>
+          </a:prstGeom>
+          <a:noFill/>
+        </p:spPr>
+        <p:txBody>
+          <a:bodyPr wrap="none" rtlCol="0">
+            <a:spAutoFit/>
+          </a:bodyPr>
+          <a:lstStyle/>
+          <a:p>
+            <a:r>
+              <a:rPr lang="en-US" sz="1100" dirty="0">
+                <a:latin typeface="Myriad Pro" panose="020B0503030403020204" pitchFamily="34" charset="0"/>
+              </a:rPr>
+              <a:t>.33</a:t>
+            </a:r>
+          </a:p>
+        </p:txBody>
+      </p:sp>
+      <p:sp>
+        <p:nvSpPr>
+          <p:cNvPr id="40" name="TextBox 39">
+            <a:extLst>
+              <a:ext uri="{FF2B5EF4-FFF2-40B4-BE49-F238E27FC236}">
+                <a16:creationId xmlns:a16="http://schemas.microsoft.com/office/drawing/2014/main" id="{3D2A48D9-EE56-C82B-7CD9-1C085A7D524D}"/>
+              </a:ext>
+            </a:extLst>
+          </p:cNvPr>
+          <p:cNvSpPr txBox="1"/>
+          <p:nvPr/>
+        </p:nvSpPr>
+        <p:spPr>
+          <a:xfrm>
+            <a:off x="4223502" y="3087574"/>
+            <a:ext cx="357790" cy="261610"/>
+          </a:xfrm>
+          <a:prstGeom prst="rect">
+            <a:avLst/>
+          </a:prstGeom>
+          <a:noFill/>
+        </p:spPr>
+        <p:txBody>
+          <a:bodyPr wrap="none" rtlCol="0">
+            <a:spAutoFit/>
+          </a:bodyPr>
+          <a:lstStyle/>
+          <a:p>
+            <a:r>
+              <a:rPr lang="en-US" sz="1100" dirty="0">
+                <a:latin typeface="Myriad Pro" panose="020B0503030403020204" pitchFamily="34" charset="0"/>
+              </a:rPr>
+              <a:t>.22</a:t>
+            </a:r>
+            <a:endParaRPr lang="en-US" sz="1100" baseline="30000" dirty="0">
+              <a:latin typeface="Myriad Pro" panose="020B0503030403020204" pitchFamily="34" charset="0"/>
+            </a:endParaRPr>
+          </a:p>
+        </p:txBody>
+      </p:sp>
+      <p:cxnSp>
+        <p:nvCxnSpPr>
+          <p:cNvPr id="44" name="Curved Connector 43">
+            <a:extLst>
+              <a:ext uri="{FF2B5EF4-FFF2-40B4-BE49-F238E27FC236}">
+                <a16:creationId xmlns:a16="http://schemas.microsoft.com/office/drawing/2014/main" id="{2550D0B4-5142-A158-8729-BBBBE777D588}"/>
+              </a:ext>
+            </a:extLst>
+          </p:cNvPr>
+          <p:cNvCxnSpPr>
+            <a:stCxn id="4" idx="1"/>
+            <a:endCxn id="5" idx="1"/>
+          </p:cNvCxnSpPr>
+          <p:nvPr/>
+        </p:nvCxnSpPr>
+        <p:spPr>
+          <a:xfrm rot="10800000" flipV="1">
+            <a:off x="2202355" y="2284380"/>
+            <a:ext cx="12700" cy="1352244"/>
+          </a:xfrm>
+          <a:prstGeom prst="curvedConnector3">
+            <a:avLst>
+              <a:gd name="adj1" fmla="val 1800000"/>
+            </a:avLst>
+          </a:prstGeom>
+          <a:ln>
+            <a:prstDash val="dash"/>
+            <a:headEnd type="triangle"/>
+            <a:tailEnd type="triangle"/>
+          </a:ln>
+        </p:spPr>
+        <p:style>
+          <a:lnRef idx="1">
+            <a:schemeClr val="dk1"/>
+          </a:lnRef>
+          <a:fillRef idx="0">
+            <a:schemeClr val="dk1"/>
+          </a:fillRef>
+          <a:effectRef idx="0">
+            <a:schemeClr val="dk1"/>
+          </a:effectRef>
+          <a:fontRef idx="minor">
+            <a:schemeClr val="tx1"/>
+          </a:fontRef>
+        </p:style>
+      </p:cxnSp>
+      <p:sp>
+        <p:nvSpPr>
+          <p:cNvPr id="45" name="TextBox 44">
+            <a:extLst>
+              <a:ext uri="{FF2B5EF4-FFF2-40B4-BE49-F238E27FC236}">
+                <a16:creationId xmlns:a16="http://schemas.microsoft.com/office/drawing/2014/main" id="{14858834-16B0-D821-1A40-F4F63F89D114}"/>
+              </a:ext>
+            </a:extLst>
+          </p:cNvPr>
+          <p:cNvSpPr txBox="1"/>
+          <p:nvPr/>
+        </p:nvSpPr>
+        <p:spPr>
+          <a:xfrm>
+            <a:off x="1922622" y="2826374"/>
+            <a:ext cx="447558" cy="261610"/>
+          </a:xfrm>
+          <a:prstGeom prst="rect">
+            <a:avLst/>
+          </a:prstGeom>
+          <a:noFill/>
+        </p:spPr>
+        <p:txBody>
+          <a:bodyPr wrap="none" rtlCol="0">
+            <a:spAutoFit/>
+          </a:bodyPr>
+          <a:lstStyle/>
+          <a:p>
+            <a:r>
+              <a:rPr lang="en-US" sz="1100" dirty="0">
+                <a:latin typeface="Myriad Pro" panose="020B0503030403020204" pitchFamily="34" charset="0"/>
+              </a:rPr>
+              <a:t>.06</a:t>
+            </a:r>
+            <a:r>
+              <a:rPr lang="en-US" sz="1100" baseline="30000" dirty="0">
+                <a:latin typeface="Myriad Pro" panose="020B0503030403020204" pitchFamily="34" charset="0"/>
+              </a:rPr>
+              <a:t>ns</a:t>
+            </a:r>
+          </a:p>
+        </p:txBody>
+      </p:sp>
+      <p:sp>
+        <p:nvSpPr>
+          <p:cNvPr id="46" name="TextBox 45">
+            <a:extLst>
+              <a:ext uri="{FF2B5EF4-FFF2-40B4-BE49-F238E27FC236}">
+                <a16:creationId xmlns:a16="http://schemas.microsoft.com/office/drawing/2014/main" id="{19D4EB33-0625-319B-E7CF-FA9F1C545D5D}"/>
+              </a:ext>
+            </a:extLst>
+          </p:cNvPr>
+          <p:cNvSpPr txBox="1"/>
+          <p:nvPr/>
+        </p:nvSpPr>
+        <p:spPr>
+          <a:xfrm>
+            <a:off x="2202354" y="3949985"/>
+            <a:ext cx="2895344" cy="600164"/>
+          </a:xfrm>
+          <a:prstGeom prst="rect">
+            <a:avLst/>
+          </a:prstGeom>
+          <a:noFill/>
+        </p:spPr>
+        <p:txBody>
+          <a:bodyPr wrap="none" rtlCol="0">
+            <a:spAutoFit/>
+          </a:bodyPr>
+          <a:lstStyle/>
+          <a:p>
+            <a:r>
+              <a:rPr lang="en-US" sz="1100" dirty="0">
+                <a:latin typeface="Myriad Pro" panose="020B0503030403020204" pitchFamily="34" charset="0"/>
+              </a:rPr>
+              <a:t>CFI = .932, RMSEA = .101</a:t>
+            </a:r>
+          </a:p>
+          <a:p>
+            <a:r>
+              <a:rPr lang="en-US" sz="1100" dirty="0">
+                <a:latin typeface="Myriad Pro" panose="020B0503030403020204" pitchFamily="34" charset="0"/>
+              </a:rPr>
+              <a:t>Paths constrained to be equal across domains.</a:t>
+            </a:r>
+          </a:p>
+          <a:p>
+            <a:r>
+              <a:rPr lang="en-US" sz="1100" dirty="0">
+                <a:latin typeface="Myriad Pro" panose="020B0503030403020204" pitchFamily="34" charset="0"/>
+              </a:rPr>
+              <a:t>All paths </a:t>
+            </a:r>
+            <a:r>
+              <a:rPr lang="en-US" sz="1100" i="1" dirty="0" err="1">
+                <a:latin typeface="Myriad Pro" panose="020B0503030403020204" pitchFamily="34" charset="0"/>
+              </a:rPr>
+              <a:t>p</a:t>
+            </a:r>
+            <a:r>
+              <a:rPr lang="en-US" sz="1100" dirty="0" err="1">
+                <a:latin typeface="Myriad Pro" panose="020B0503030403020204" pitchFamily="34" charset="0"/>
+              </a:rPr>
+              <a:t>s</a:t>
+            </a:r>
+            <a:r>
+              <a:rPr lang="en-US" sz="1100" dirty="0">
+                <a:latin typeface="Myriad Pro" panose="020B0503030403020204" pitchFamily="34" charset="0"/>
+              </a:rPr>
+              <a:t> &lt; .01, unless denoted with ns.</a:t>
+            </a:r>
+          </a:p>
+        </p:txBody>
+      </p:sp>
+      <p:sp>
+        <p:nvSpPr>
+          <p:cNvPr id="2" name="TextBox 1">
+            <a:extLst>
+              <a:ext uri="{FF2B5EF4-FFF2-40B4-BE49-F238E27FC236}">
+                <a16:creationId xmlns:a16="http://schemas.microsoft.com/office/drawing/2014/main" id="{86C33C02-F5E8-083A-D4B1-8178F61BF7EA}"/>
+              </a:ext>
+            </a:extLst>
+          </p:cNvPr>
+          <p:cNvSpPr txBox="1"/>
+          <p:nvPr/>
+        </p:nvSpPr>
+        <p:spPr>
+          <a:xfrm>
+            <a:off x="9233012" y="1294726"/>
+            <a:ext cx="1544012" cy="1200329"/>
+          </a:xfrm>
+          <a:prstGeom prst="rect">
+            <a:avLst/>
+          </a:prstGeom>
+          <a:noFill/>
+        </p:spPr>
+        <p:txBody>
+          <a:bodyPr wrap="none" rtlCol="0">
+            <a:spAutoFit/>
+          </a:bodyPr>
+          <a:lstStyle/>
+          <a:p>
+            <a:r>
+              <a:rPr lang="en-US" dirty="0"/>
+              <a:t>Healthy eating</a:t>
+            </a:r>
+          </a:p>
+          <a:p>
+            <a:r>
+              <a:rPr lang="en-US" dirty="0"/>
+              <a:t>bedtime</a:t>
+            </a:r>
+          </a:p>
+          <a:p>
+            <a:r>
+              <a:rPr lang="en-US" dirty="0"/>
+              <a:t>Saving</a:t>
+            </a:r>
+          </a:p>
+          <a:p>
+            <a:r>
+              <a:rPr lang="en-US" dirty="0"/>
+              <a:t>work</a:t>
+            </a:r>
+          </a:p>
+        </p:txBody>
+      </p:sp>
+    </p:spTree>
+    <p:extLst>
+      <p:ext uri="{BB962C8B-B14F-4D97-AF65-F5344CB8AC3E}">
+        <p14:creationId xmlns:p14="http://schemas.microsoft.com/office/powerpoint/2010/main" val="1674513483"/>
       </p:ext>
     </p:extLst>
   </p:cSld>
